--- a/Преломление луча, при переходе из одной среды.pptx
+++ b/Преломление луча, при переходе из одной среды.pptx
@@ -5695,8 +5695,12 @@
               <a:t>Преломление </a:t>
             </a:r>
             <a:r>
+              <a:rPr lang="ru-RU" dirty="0" smtClean="0"/>
+              <a:t>света, </a:t>
+            </a:r>
+            <a:r>
               <a:rPr lang="ru-RU" dirty="0"/>
-              <a:t>луча, при переходе из одной среды в </a:t>
+              <a:t>при переходе из одной среды в </a:t>
             </a:r>
             <a:r>
               <a:rPr lang="ru-RU" dirty="0" smtClean="0"/>
@@ -6069,8 +6073,21 @@
             <a:pPr lvl="0"/>
             <a:r>
               <a:rPr lang="ru-RU" dirty="0"/>
-              <a:t>Создать рабочую программу)))</a:t>
-            </a:r>
+              <a:t>Создать </a:t>
+            </a:r>
+            <a:r>
+              <a:rPr lang="ru-RU" dirty="0" smtClean="0"/>
+              <a:t>пособие которое может наглядно </a:t>
+            </a:r>
+            <a:r>
+              <a:rPr lang="ru-RU" dirty="0" err="1" smtClean="0"/>
+              <a:t>продемострировать</a:t>
+            </a:r>
+            <a:r>
+              <a:rPr lang="ru-RU" dirty="0" smtClean="0"/>
+              <a:t> закон преломления света. </a:t>
+            </a:r>
+            <a:endParaRPr lang="ru-RU" dirty="0"/>
           </a:p>
           <a:p>
             <a:endParaRPr lang="ru-RU" dirty="0"/>
@@ -6160,11 +6177,37 @@
           <a:lstStyle/>
           <a:p>
             <a:r>
+              <a:rPr lang="ru-RU" dirty="0" smtClean="0"/>
+              <a:t>Я считаю закон преломления света очень интересным. но его сложно изучать без пособий. Именно поэтому решил сделать программу которая может </a:t>
+            </a:r>
+            <a:r>
               <a:rPr lang="ru-RU" dirty="0"/>
-              <a:t>Эта программа поможет быстро находить угол преломления луча. Так же эта программа подойдёт для обучения учеников (6-8) классов, наглядно демонстрируя тог как изменяется угол преломления в оптически разных средах. В программе используются тригонометрические функции.</a:t>
-            </a:r>
-          </a:p>
-          <a:p>
+              <a:t>н</a:t>
+            </a:r>
+            <a:r>
+              <a:rPr lang="ru-RU" dirty="0" smtClean="0"/>
+              <a:t>аглядно продемонстрировать работу закона преломления света. В программе можно рассмотреть все случаи, </a:t>
+            </a:r>
+            <a:r>
+              <a:rPr lang="ru-RU" dirty="0" smtClean="0"/>
+              <a:t>переход </a:t>
+            </a:r>
+            <a:r>
+              <a:rPr lang="ru-RU" dirty="0"/>
+              <a:t>света из менее плотной оптической среды в более </a:t>
+            </a:r>
+            <a:r>
+              <a:rPr lang="ru-RU" dirty="0" smtClean="0"/>
+              <a:t>плотную и </a:t>
+            </a:r>
+            <a:r>
+              <a:rPr lang="ru-RU" dirty="0"/>
+              <a:t>наоборот из более плотной в менее </a:t>
+            </a:r>
+            <a:r>
+              <a:rPr lang="ru-RU" dirty="0" smtClean="0"/>
+              <a:t>плотную.</a:t>
+            </a:r>
             <a:endParaRPr lang="ru-RU" dirty="0"/>
           </a:p>
         </p:txBody>

--- a/Преломление луча, при переходе из одной среды.pptx
+++ b/Преломление луча, при переходе из одной среды.pptx
@@ -12,6 +12,7 @@
     <p:sldId id="260" r:id="rId6"/>
     <p:sldId id="261" r:id="rId7"/>
     <p:sldId id="262" r:id="rId8"/>
+    <p:sldId id="263" r:id="rId9"/>
   </p:sldIdLst>
   <p:sldSz cx="12192000" cy="6858000"/>
   <p:notesSz cx="6858000" cy="9144000"/>
@@ -6608,6 +6609,59 @@
 </p:sld>
 </file>
 
+<file path=ppt/slides/slide8.xml><?xml version="1.0" encoding="utf-8"?>
+<p:sld xmlns:a="http://schemas.openxmlformats.org/drawingml/2006/main" xmlns:r="http://schemas.openxmlformats.org/officeDocument/2006/relationships" xmlns:p="http://schemas.openxmlformats.org/presentationml/2006/main">
+  <p:cSld>
+    <p:spTree>
+      <p:nvGrpSpPr>
+        <p:cNvPr id="1" name=""/>
+        <p:cNvGrpSpPr/>
+        <p:nvPr/>
+      </p:nvGrpSpPr>
+      <p:grpSpPr>
+        <a:xfrm>
+          <a:off x="0" y="0"/>
+          <a:ext cx="0" cy="0"/>
+          <a:chOff x="0" y="0"/>
+          <a:chExt cx="0" cy="0"/>
+        </a:xfrm>
+      </p:grpSpPr>
+      <p:sp>
+        <p:nvSpPr>
+          <p:cNvPr id="2" name="Заголовок 1"/>
+          <p:cNvSpPr>
+            <a:spLocks noGrp="1"/>
+          </p:cNvSpPr>
+          <p:nvPr>
+            <p:ph type="title"/>
+          </p:nvPr>
+        </p:nvSpPr>
+        <p:spPr/>
+        <p:txBody>
+          <a:bodyPr/>
+          <a:lstStyle/>
+          <a:p>
+            <a:r>
+              <a:rPr lang="ru-RU" dirty="0" smtClean="0"/>
+              <a:t>Эта программа очень важна для тех кто начинает знакомиться с законом преломления света</a:t>
+            </a:r>
+            <a:endParaRPr lang="ru-RU" dirty="0"/>
+          </a:p>
+        </p:txBody>
+      </p:sp>
+    </p:spTree>
+    <p:extLst>
+      <p:ext uri="{BB962C8B-B14F-4D97-AF65-F5344CB8AC3E}">
+        <p14:creationId xmlns:p14="http://schemas.microsoft.com/office/powerpoint/2010/main" val="1677464655"/>
+      </p:ext>
+    </p:extLst>
+  </p:cSld>
+  <p:clrMapOvr>
+    <a:masterClrMapping/>
+  </p:clrMapOvr>
+</p:sld>
+</file>
+
 <file path=ppt/theme/theme1.xml><?xml version="1.0" encoding="utf-8"?>
 <a:theme xmlns:a="http://schemas.openxmlformats.org/drawingml/2006/main" name="След самолета">
   <a:themeElements>
